--- a/solutions/github/devops/actions-enterprise-cicd/presales/solution-briefing.pptx
+++ b/solutions/github/devops/actions-enterprise-cicd/presales/solution-briefing.pptx
@@ -693,6 +693,39 @@
       </p:grpSpPr>
       <p:sp>
         <p:nvSpPr>
+          <p:cNvPr id="12" name="Picture Placeholder 13">
+            <a:extLst>
+              <a:ext uri="{FF2B5EF4-FFF2-40B4-BE49-F238E27FC236}">
+                <a16:creationId xmlns:a16="http://schemas.microsoft.com/office/drawing/2014/main" id="{2DB97592-C4D5-B315-7F11-AA14F6EE8A62}"/>
+              </a:ext>
+            </a:extLst>
+          </p:cNvPr>
+          <p:cNvSpPr>
+            <a:spLocks noGrp="1"/>
+          </p:cNvSpPr>
+          <p:nvPr>
+            <p:ph type="pic" sz="quarter" idx="13"/>
+          </p:nvPr>
+        </p:nvSpPr>
+        <p:spPr>
+          <a:xfrm>
+            <a:off x="313593" y="4536078"/>
+            <a:ext cx="2143858" cy="529698"/>
+          </a:xfrm>
+          <a:prstGeom prst="rect">
+            <a:avLst/>
+          </a:prstGeom>
+        </p:spPr>
+        <p:txBody>
+          <a:bodyPr/>
+          <a:lstStyle/>
+          <a:p>
+            <a:endParaRPr lang="en-US" dirty="0"/>
+          </a:p>
+        </p:txBody>
+      </p:sp>
+      <p:sp>
+        <p:nvSpPr>
           <p:cNvPr id="3" name="Shape 1">
             <a:extLst>
               <a:ext uri="{FF2B5EF4-FFF2-40B4-BE49-F238E27FC236}">
@@ -782,39 +815,6 @@
               <a:rPr lang="en-US" dirty="0"/>
               <a:t>Slide Title</a:t>
             </a:r>
-          </a:p>
-        </p:txBody>
-      </p:sp>
-      <p:sp>
-        <p:nvSpPr>
-          <p:cNvPr id="12" name="Picture Placeholder 13">
-            <a:extLst>
-              <a:ext uri="{FF2B5EF4-FFF2-40B4-BE49-F238E27FC236}">
-                <a16:creationId xmlns:a16="http://schemas.microsoft.com/office/drawing/2014/main" id="{2DB97592-C4D5-B315-7F11-AA14F6EE8A62}"/>
-              </a:ext>
-            </a:extLst>
-          </p:cNvPr>
-          <p:cNvSpPr>
-            <a:spLocks noGrp="1"/>
-          </p:cNvSpPr>
-          <p:nvPr>
-            <p:ph type="pic" sz="quarter" idx="13"/>
-          </p:nvPr>
-        </p:nvSpPr>
-        <p:spPr>
-          <a:xfrm>
-            <a:off x="313593" y="4536078"/>
-            <a:ext cx="2143858" cy="529698"/>
-          </a:xfrm>
-          <a:prstGeom prst="rect">
-            <a:avLst/>
-          </a:prstGeom>
-        </p:spPr>
-        <p:txBody>
-          <a:bodyPr/>
-          <a:lstStyle/>
-          <a:p>
-            <a:endParaRPr lang="en-US" dirty="0"/>
           </a:p>
         </p:txBody>
       </p:sp>
@@ -971,6 +971,39 @@
       </p:grpSpPr>
       <p:sp>
         <p:nvSpPr>
+          <p:cNvPr id="12" name="Picture Placeholder 13">
+            <a:extLst>
+              <a:ext uri="{FF2B5EF4-FFF2-40B4-BE49-F238E27FC236}">
+                <a16:creationId xmlns:a16="http://schemas.microsoft.com/office/drawing/2014/main" id="{2DB97592-C4D5-B315-7F11-AA14F6EE8A62}"/>
+              </a:ext>
+            </a:extLst>
+          </p:cNvPr>
+          <p:cNvSpPr>
+            <a:spLocks noGrp="1"/>
+          </p:cNvSpPr>
+          <p:nvPr>
+            <p:ph type="pic" sz="quarter" idx="13"/>
+          </p:nvPr>
+        </p:nvSpPr>
+        <p:spPr>
+          <a:xfrm>
+            <a:off x="313593" y="4536078"/>
+            <a:ext cx="2143858" cy="529698"/>
+          </a:xfrm>
+          <a:prstGeom prst="rect">
+            <a:avLst/>
+          </a:prstGeom>
+        </p:spPr>
+        <p:txBody>
+          <a:bodyPr/>
+          <a:lstStyle/>
+          <a:p>
+            <a:endParaRPr lang="en-US" dirty="0"/>
+          </a:p>
+        </p:txBody>
+      </p:sp>
+      <p:sp>
+        <p:nvSpPr>
           <p:cNvPr id="3" name="Shape 1">
             <a:extLst>
               <a:ext uri="{FF2B5EF4-FFF2-40B4-BE49-F238E27FC236}">
@@ -1060,39 +1093,6 @@
               <a:rPr lang="en-US" dirty="0"/>
               <a:t>Bullet Points</a:t>
             </a:r>
-          </a:p>
-        </p:txBody>
-      </p:sp>
-      <p:sp>
-        <p:nvSpPr>
-          <p:cNvPr id="12" name="Picture Placeholder 13">
-            <a:extLst>
-              <a:ext uri="{FF2B5EF4-FFF2-40B4-BE49-F238E27FC236}">
-                <a16:creationId xmlns:a16="http://schemas.microsoft.com/office/drawing/2014/main" id="{2DB97592-C4D5-B315-7F11-AA14F6EE8A62}"/>
-              </a:ext>
-            </a:extLst>
-          </p:cNvPr>
-          <p:cNvSpPr>
-            <a:spLocks noGrp="1"/>
-          </p:cNvSpPr>
-          <p:nvPr>
-            <p:ph type="pic" sz="quarter" idx="13"/>
-          </p:nvPr>
-        </p:nvSpPr>
-        <p:spPr>
-          <a:xfrm>
-            <a:off x="313593" y="4536078"/>
-            <a:ext cx="2143858" cy="529698"/>
-          </a:xfrm>
-          <a:prstGeom prst="rect">
-            <a:avLst/>
-          </a:prstGeom>
-        </p:spPr>
-        <p:txBody>
-          <a:bodyPr/>
-          <a:lstStyle/>
-          <a:p>
-            <a:endParaRPr lang="en-US" dirty="0"/>
           </a:p>
         </p:txBody>
       </p:sp>
@@ -1235,6 +1235,39 @@
       </p:grpSpPr>
       <p:sp>
         <p:nvSpPr>
+          <p:cNvPr id="10" name="Picture Placeholder 13">
+            <a:extLst>
+              <a:ext uri="{FF2B5EF4-FFF2-40B4-BE49-F238E27FC236}">
+                <a16:creationId xmlns:a16="http://schemas.microsoft.com/office/drawing/2014/main" id="{6A0FA445-7602-F06E-EC73-5504EBF827CC}"/>
+              </a:ext>
+            </a:extLst>
+          </p:cNvPr>
+          <p:cNvSpPr>
+            <a:spLocks noGrp="1"/>
+          </p:cNvSpPr>
+          <p:nvPr>
+            <p:ph type="pic" sz="quarter" idx="14"/>
+          </p:nvPr>
+        </p:nvSpPr>
+        <p:spPr>
+          <a:xfrm>
+            <a:off x="313592" y="4536078"/>
+            <a:ext cx="2121877" cy="529698"/>
+          </a:xfrm>
+          <a:prstGeom prst="rect">
+            <a:avLst/>
+          </a:prstGeom>
+        </p:spPr>
+        <p:txBody>
+          <a:bodyPr/>
+          <a:lstStyle/>
+          <a:p>
+            <a:endParaRPr lang="en-US" dirty="0"/>
+          </a:p>
+        </p:txBody>
+      </p:sp>
+      <p:sp>
+        <p:nvSpPr>
           <p:cNvPr id="3" name="Shape 1">
             <a:extLst>
               <a:ext uri="{FF2B5EF4-FFF2-40B4-BE49-F238E27FC236}">
@@ -1324,39 +1357,6 @@
               <a:rPr lang="en-US" dirty="0"/>
               <a:t>Two Column Layout</a:t>
             </a:r>
-          </a:p>
-        </p:txBody>
-      </p:sp>
-      <p:sp>
-        <p:nvSpPr>
-          <p:cNvPr id="10" name="Picture Placeholder 13">
-            <a:extLst>
-              <a:ext uri="{FF2B5EF4-FFF2-40B4-BE49-F238E27FC236}">
-                <a16:creationId xmlns:a16="http://schemas.microsoft.com/office/drawing/2014/main" id="{6A0FA445-7602-F06E-EC73-5504EBF827CC}"/>
-              </a:ext>
-            </a:extLst>
-          </p:cNvPr>
-          <p:cNvSpPr>
-            <a:spLocks noGrp="1"/>
-          </p:cNvSpPr>
-          <p:nvPr>
-            <p:ph type="pic" sz="quarter" idx="14"/>
-          </p:nvPr>
-        </p:nvSpPr>
-        <p:spPr>
-          <a:xfrm>
-            <a:off x="313592" y="4536078"/>
-            <a:ext cx="2121877" cy="529698"/>
-          </a:xfrm>
-          <a:prstGeom prst="rect">
-            <a:avLst/>
-          </a:prstGeom>
-        </p:spPr>
-        <p:txBody>
-          <a:bodyPr/>
-          <a:lstStyle/>
-          <a:p>
-            <a:endParaRPr lang="en-US" dirty="0"/>
           </a:p>
         </p:txBody>
       </p:sp>
@@ -1604,6 +1604,39 @@
       </p:grpSpPr>
       <p:sp>
         <p:nvSpPr>
+          <p:cNvPr id="12" name="Picture Placeholder 13">
+            <a:extLst>
+              <a:ext uri="{FF2B5EF4-FFF2-40B4-BE49-F238E27FC236}">
+                <a16:creationId xmlns:a16="http://schemas.microsoft.com/office/drawing/2014/main" id="{2DB97592-C4D5-B315-7F11-AA14F6EE8A62}"/>
+              </a:ext>
+            </a:extLst>
+          </p:cNvPr>
+          <p:cNvSpPr>
+            <a:spLocks noGrp="1"/>
+          </p:cNvSpPr>
+          <p:nvPr>
+            <p:ph type="pic" sz="quarter" idx="13"/>
+          </p:nvPr>
+        </p:nvSpPr>
+        <p:spPr>
+          <a:xfrm>
+            <a:off x="313592" y="4536078"/>
+            <a:ext cx="2126273" cy="529698"/>
+          </a:xfrm>
+          <a:prstGeom prst="rect">
+            <a:avLst/>
+          </a:prstGeom>
+        </p:spPr>
+        <p:txBody>
+          <a:bodyPr/>
+          <a:lstStyle/>
+          <a:p>
+            <a:endParaRPr lang="en-US" dirty="0"/>
+          </a:p>
+        </p:txBody>
+      </p:sp>
+      <p:sp>
+        <p:nvSpPr>
           <p:cNvPr id="3" name="Shape 1">
             <a:extLst>
               <a:ext uri="{FF2B5EF4-FFF2-40B4-BE49-F238E27FC236}">
@@ -1719,39 +1752,6 @@
           </a:p>
           <a:p>
             <a:pPr lvl="0"/>
-            <a:endParaRPr lang="en-US" dirty="0"/>
-          </a:p>
-        </p:txBody>
-      </p:sp>
-      <p:sp>
-        <p:nvSpPr>
-          <p:cNvPr id="12" name="Picture Placeholder 13">
-            <a:extLst>
-              <a:ext uri="{FF2B5EF4-FFF2-40B4-BE49-F238E27FC236}">
-                <a16:creationId xmlns:a16="http://schemas.microsoft.com/office/drawing/2014/main" id="{2DB97592-C4D5-B315-7F11-AA14F6EE8A62}"/>
-              </a:ext>
-            </a:extLst>
-          </p:cNvPr>
-          <p:cNvSpPr>
-            <a:spLocks noGrp="1"/>
-          </p:cNvSpPr>
-          <p:nvPr>
-            <p:ph type="pic" sz="quarter" idx="13"/>
-          </p:nvPr>
-        </p:nvSpPr>
-        <p:spPr>
-          <a:xfrm>
-            <a:off x="313592" y="4536078"/>
-            <a:ext cx="2126273" cy="529698"/>
-          </a:xfrm>
-          <a:prstGeom prst="rect">
-            <a:avLst/>
-          </a:prstGeom>
-        </p:spPr>
-        <p:txBody>
-          <a:bodyPr/>
-          <a:lstStyle/>
-          <a:p>
             <a:endParaRPr lang="en-US" dirty="0"/>
           </a:p>
         </p:txBody>
@@ -1863,6 +1863,39 @@
       </p:grpSpPr>
       <p:sp>
         <p:nvSpPr>
+          <p:cNvPr id="10" name="Picture Placeholder 13">
+            <a:extLst>
+              <a:ext uri="{FF2B5EF4-FFF2-40B4-BE49-F238E27FC236}">
+                <a16:creationId xmlns:a16="http://schemas.microsoft.com/office/drawing/2014/main" id="{6A0FA445-7602-F06E-EC73-5504EBF827CC}"/>
+              </a:ext>
+            </a:extLst>
+          </p:cNvPr>
+          <p:cNvSpPr>
+            <a:spLocks noGrp="1"/>
+          </p:cNvSpPr>
+          <p:nvPr>
+            <p:ph type="pic" sz="quarter" idx="14"/>
+          </p:nvPr>
+        </p:nvSpPr>
+        <p:spPr>
+          <a:xfrm>
+            <a:off x="313592" y="4536078"/>
+            <a:ext cx="2130670" cy="529698"/>
+          </a:xfrm>
+          <a:prstGeom prst="rect">
+            <a:avLst/>
+          </a:prstGeom>
+        </p:spPr>
+        <p:txBody>
+          <a:bodyPr/>
+          <a:lstStyle/>
+          <a:p>
+            <a:endParaRPr lang="en-US" dirty="0"/>
+          </a:p>
+        </p:txBody>
+      </p:sp>
+      <p:sp>
+        <p:nvSpPr>
           <p:cNvPr id="3" name="Shape 1">
             <a:extLst>
               <a:ext uri="{FF2B5EF4-FFF2-40B4-BE49-F238E27FC236}">
@@ -1952,39 +1985,6 @@
               <a:rPr lang="en-US" dirty="0"/>
               <a:t>Visual Content</a:t>
             </a:r>
-          </a:p>
-        </p:txBody>
-      </p:sp>
-      <p:sp>
-        <p:nvSpPr>
-          <p:cNvPr id="10" name="Picture Placeholder 13">
-            <a:extLst>
-              <a:ext uri="{FF2B5EF4-FFF2-40B4-BE49-F238E27FC236}">
-                <a16:creationId xmlns:a16="http://schemas.microsoft.com/office/drawing/2014/main" id="{6A0FA445-7602-F06E-EC73-5504EBF827CC}"/>
-              </a:ext>
-            </a:extLst>
-          </p:cNvPr>
-          <p:cNvSpPr>
-            <a:spLocks noGrp="1"/>
-          </p:cNvSpPr>
-          <p:nvPr>
-            <p:ph type="pic" sz="quarter" idx="14"/>
-          </p:nvPr>
-        </p:nvSpPr>
-        <p:spPr>
-          <a:xfrm>
-            <a:off x="313592" y="4536078"/>
-            <a:ext cx="2130670" cy="529698"/>
-          </a:xfrm>
-          <a:prstGeom prst="rect">
-            <a:avLst/>
-          </a:prstGeom>
-        </p:spPr>
-        <p:txBody>
-          <a:bodyPr/>
-          <a:lstStyle/>
-          <a:p>
-            <a:endParaRPr lang="en-US" dirty="0"/>
           </a:p>
         </p:txBody>
       </p:sp>
@@ -2180,6 +2180,39 @@
       </p:grpSpPr>
       <p:sp>
         <p:nvSpPr>
+          <p:cNvPr id="10" name="Picture Placeholder 13">
+            <a:extLst>
+              <a:ext uri="{FF2B5EF4-FFF2-40B4-BE49-F238E27FC236}">
+                <a16:creationId xmlns:a16="http://schemas.microsoft.com/office/drawing/2014/main" id="{6A0FA445-7602-F06E-EC73-5504EBF827CC}"/>
+              </a:ext>
+            </a:extLst>
+          </p:cNvPr>
+          <p:cNvSpPr>
+            <a:spLocks noGrp="1"/>
+          </p:cNvSpPr>
+          <p:nvPr>
+            <p:ph type="pic" sz="quarter" idx="14"/>
+          </p:nvPr>
+        </p:nvSpPr>
+        <p:spPr>
+          <a:xfrm>
+            <a:off x="313592" y="4536078"/>
+            <a:ext cx="2104294" cy="529698"/>
+          </a:xfrm>
+          <a:prstGeom prst="rect">
+            <a:avLst/>
+          </a:prstGeom>
+        </p:spPr>
+        <p:txBody>
+          <a:bodyPr/>
+          <a:lstStyle/>
+          <a:p>
+            <a:endParaRPr lang="en-US" dirty="0"/>
+          </a:p>
+        </p:txBody>
+      </p:sp>
+      <p:sp>
+        <p:nvSpPr>
           <p:cNvPr id="3" name="Shape 1">
             <a:extLst>
               <a:ext uri="{FF2B5EF4-FFF2-40B4-BE49-F238E27FC236}">
@@ -2269,39 +2302,6 @@
               <a:rPr lang="en-US" dirty="0"/>
               <a:t>Data Visualization</a:t>
             </a:r>
-          </a:p>
-        </p:txBody>
-      </p:sp>
-      <p:sp>
-        <p:nvSpPr>
-          <p:cNvPr id="10" name="Picture Placeholder 13">
-            <a:extLst>
-              <a:ext uri="{FF2B5EF4-FFF2-40B4-BE49-F238E27FC236}">
-                <a16:creationId xmlns:a16="http://schemas.microsoft.com/office/drawing/2014/main" id="{6A0FA445-7602-F06E-EC73-5504EBF827CC}"/>
-              </a:ext>
-            </a:extLst>
-          </p:cNvPr>
-          <p:cNvSpPr>
-            <a:spLocks noGrp="1"/>
-          </p:cNvSpPr>
-          <p:nvPr>
-            <p:ph type="pic" sz="quarter" idx="14"/>
-          </p:nvPr>
-        </p:nvSpPr>
-        <p:spPr>
-          <a:xfrm>
-            <a:off x="313592" y="4536078"/>
-            <a:ext cx="2104294" cy="529698"/>
-          </a:xfrm>
-          <a:prstGeom prst="rect">
-            <a:avLst/>
-          </a:prstGeom>
-        </p:spPr>
-        <p:txBody>
-          <a:bodyPr/>
-          <a:lstStyle/>
-          <a:p>
-            <a:endParaRPr lang="en-US" dirty="0"/>
           </a:p>
         </p:txBody>
       </p:sp>
@@ -3375,7 +3375,19 @@
       <p:grpSpPr/>
       <p:sp>
         <p:nvSpPr>
-          <p:cNvPr id="2" name="Text Placeholder 1"/>
+          <p:cNvPr id="2" name="Picture Placeholder 1"/>
+          <p:cNvSpPr>
+            <a:spLocks noGrp="1"/>
+          </p:cNvSpPr>
+          <p:nvPr>
+            <p:ph type="pic" idx="13" sz="quarter"/>
+          </p:nvPr>
+        </p:nvSpPr>
+        <p:spPr/>
+      </p:sp>
+      <p:sp>
+        <p:nvSpPr>
+          <p:cNvPr id="3" name="Text Placeholder 2"/>
           <p:cNvSpPr>
             <a:spLocks noGrp="1"/>
           </p:cNvSpPr>
@@ -3394,18 +3406,6 @@
             </a:r>
           </a:p>
         </p:txBody>
-      </p:sp>
-      <p:sp>
-        <p:nvSpPr>
-          <p:cNvPr id="3" name="Picture Placeholder 2"/>
-          <p:cNvSpPr>
-            <a:spLocks noGrp="1"/>
-          </p:cNvSpPr>
-          <p:nvPr>
-            <p:ph type="pic" idx="13" sz="quarter"/>
-          </p:nvPr>
-        </p:nvSpPr>
-        <p:spPr/>
       </p:sp>
       <p:sp>
         <p:nvSpPr>
@@ -3619,7 +3619,19 @@
       <p:grpSpPr/>
       <p:sp>
         <p:nvSpPr>
-          <p:cNvPr id="2" name="Text Placeholder 1"/>
+          <p:cNvPr id="2" name="Picture Placeholder 1"/>
+          <p:cNvSpPr>
+            <a:spLocks noGrp="1"/>
+          </p:cNvSpPr>
+          <p:nvPr>
+            <p:ph type="pic" idx="14" sz="quarter"/>
+          </p:nvPr>
+        </p:nvSpPr>
+        <p:spPr/>
+      </p:sp>
+      <p:sp>
+        <p:nvSpPr>
+          <p:cNvPr id="3" name="Text Placeholder 2"/>
           <p:cNvSpPr>
             <a:spLocks noGrp="1"/>
           </p:cNvSpPr>
@@ -3638,18 +3650,6 @@
             </a:r>
           </a:p>
         </p:txBody>
-      </p:sp>
-      <p:sp>
-        <p:nvSpPr>
-          <p:cNvPr id="3" name="Picture Placeholder 2"/>
-          <p:cNvSpPr>
-            <a:spLocks noGrp="1"/>
-          </p:cNvSpPr>
-          <p:nvPr>
-            <p:ph type="pic" idx="14" sz="quarter"/>
-          </p:nvPr>
-        </p:nvSpPr>
-        <p:spPr/>
       </p:sp>
       <p:sp>
         <p:nvSpPr>
@@ -3782,7 +3782,19 @@
       <p:grpSpPr/>
       <p:sp>
         <p:nvSpPr>
-          <p:cNvPr id="2" name="Text Placeholder 1"/>
+          <p:cNvPr id="2" name="Picture Placeholder 1"/>
+          <p:cNvSpPr>
+            <a:spLocks noGrp="1"/>
+          </p:cNvSpPr>
+          <p:nvPr>
+            <p:ph type="pic" idx="13" sz="quarter"/>
+          </p:nvPr>
+        </p:nvSpPr>
+        <p:spPr/>
+      </p:sp>
+      <p:sp>
+        <p:nvSpPr>
+          <p:cNvPr id="3" name="Text Placeholder 2"/>
           <p:cNvSpPr>
             <a:spLocks noGrp="1"/>
           </p:cNvSpPr>
@@ -3801,18 +3813,6 @@
             </a:r>
           </a:p>
         </p:txBody>
-      </p:sp>
-      <p:sp>
-        <p:nvSpPr>
-          <p:cNvPr id="3" name="Picture Placeholder 2"/>
-          <p:cNvSpPr>
-            <a:spLocks noGrp="1"/>
-          </p:cNvSpPr>
-          <p:nvPr>
-            <p:ph type="pic" idx="13" sz="quarter"/>
-          </p:nvPr>
-        </p:nvSpPr>
-        <p:spPr/>
       </p:sp>
       <p:graphicFrame>
         <p:nvGraphicFramePr>
@@ -4648,7 +4648,19 @@
       <p:grpSpPr/>
       <p:sp>
         <p:nvSpPr>
-          <p:cNvPr id="2" name="Text Placeholder 1"/>
+          <p:cNvPr id="2" name="Picture Placeholder 1"/>
+          <p:cNvSpPr>
+            <a:spLocks noGrp="1"/>
+          </p:cNvSpPr>
+          <p:nvPr>
+            <p:ph type="pic" idx="14" sz="quarter"/>
+          </p:nvPr>
+        </p:nvSpPr>
+        <p:spPr/>
+      </p:sp>
+      <p:sp>
+        <p:nvSpPr>
+          <p:cNvPr id="3" name="Text Placeholder 2"/>
           <p:cNvSpPr>
             <a:spLocks noGrp="1"/>
           </p:cNvSpPr>
@@ -4667,18 +4679,6 @@
             </a:r>
           </a:p>
         </p:txBody>
-      </p:sp>
-      <p:sp>
-        <p:nvSpPr>
-          <p:cNvPr id="3" name="Picture Placeholder 2"/>
-          <p:cNvSpPr>
-            <a:spLocks noGrp="1"/>
-          </p:cNvSpPr>
-          <p:nvPr>
-            <p:ph type="pic" idx="14" sz="quarter"/>
-          </p:nvPr>
-        </p:nvSpPr>
-        <p:spPr/>
       </p:sp>
       <p:sp>
         <p:nvSpPr>
@@ -4710,13 +4710,13 @@
           <a:p>
             <a:pPr lvl="1"/>
             <a:r>
-              <a:t>Self-hosted runners in AWS VPC for private builds and compliance</a:t>
+              <a:t>Self-hosted runners in AWS VPC for private builds</a:t>
             </a:r>
           </a:p>
           <a:p>
             <a:pPr lvl="1"/>
             <a:r>
-              <a:t>Reusable workflow templates for .NET Node.js Python Docker standardization</a:t>
+              <a:t>Reusable workflow templates for .NET Node.js Python Docker</a:t>
             </a:r>
           </a:p>
           <a:p>
@@ -4729,19 +4729,19 @@
           <a:p>
             <a:pPr lvl="1"/>
             <a:r>
-              <a:t>Matrix builds for multi-version testing across platforms and dependencies</a:t>
+              <a:t>Matrix builds for multi-version testing across platforms</a:t>
             </a:r>
           </a:p>
           <a:p>
             <a:pPr lvl="1"/>
             <a:r>
-              <a:t>Environment protection rules with required reviewers and deployment gates</a:t>
+              <a:t>Environment protection rules with required reviewers and gates</a:t>
             </a:r>
           </a:p>
           <a:p>
             <a:pPr lvl="1"/>
             <a:r>
-              <a:t>OIDC integration for keyless AWS Azure GCP authentication without static credentials</a:t>
+              <a:t>OIDC keyless authentication for AWS Azure GCP</a:t>
             </a:r>
           </a:p>
         </p:txBody>
@@ -4825,7 +4825,19 @@
       <p:grpSpPr/>
       <p:sp>
         <p:nvSpPr>
-          <p:cNvPr id="2" name="Text Placeholder 1"/>
+          <p:cNvPr id="2" name="Picture Placeholder 1"/>
+          <p:cNvSpPr>
+            <a:spLocks noGrp="1"/>
+          </p:cNvSpPr>
+          <p:nvPr>
+            <p:ph type="pic" idx="13" sz="quarter"/>
+          </p:nvPr>
+        </p:nvSpPr>
+        <p:spPr/>
+      </p:sp>
+      <p:sp>
+        <p:nvSpPr>
+          <p:cNvPr id="3" name="Text Placeholder 2"/>
           <p:cNvSpPr>
             <a:spLocks noGrp="1"/>
           </p:cNvSpPr>
@@ -4844,18 +4856,6 @@
             </a:r>
           </a:p>
         </p:txBody>
-      </p:sp>
-      <p:sp>
-        <p:nvSpPr>
-          <p:cNvPr id="3" name="Picture Placeholder 2"/>
-          <p:cNvSpPr>
-            <a:spLocks noGrp="1"/>
-          </p:cNvSpPr>
-          <p:nvPr>
-            <p:ph type="pic" idx="13" sz="quarter"/>
-          </p:nvPr>
-        </p:nvSpPr>
-        <p:spPr/>
       </p:sp>
       <p:sp>
         <p:nvSpPr>
@@ -4997,7 +4997,19 @@
       <p:grpSpPr/>
       <p:sp>
         <p:nvSpPr>
-          <p:cNvPr id="2" name="Text Placeholder 1"/>
+          <p:cNvPr id="2" name="Picture Placeholder 1"/>
+          <p:cNvSpPr>
+            <a:spLocks noGrp="1"/>
+          </p:cNvSpPr>
+          <p:nvPr>
+            <p:ph type="pic" idx="13" sz="quarter"/>
+          </p:nvPr>
+        </p:nvSpPr>
+        <p:spPr/>
+      </p:sp>
+      <p:sp>
+        <p:nvSpPr>
+          <p:cNvPr id="3" name="Text Placeholder 2"/>
           <p:cNvSpPr>
             <a:spLocks noGrp="1"/>
           </p:cNvSpPr>
@@ -5016,18 +5028,6 @@
             </a:r>
           </a:p>
         </p:txBody>
-      </p:sp>
-      <p:sp>
-        <p:nvSpPr>
-          <p:cNvPr id="3" name="Picture Placeholder 2"/>
-          <p:cNvSpPr>
-            <a:spLocks noGrp="1"/>
-          </p:cNvSpPr>
-          <p:nvPr>
-            <p:ph type="pic" idx="13" sz="quarter"/>
-          </p:nvPr>
-        </p:nvSpPr>
-        <p:spPr/>
       </p:sp>
       <p:graphicFrame>
         <p:nvGraphicFramePr>
@@ -5404,7 +5404,19 @@
       <p:grpSpPr/>
       <p:sp>
         <p:nvSpPr>
-          <p:cNvPr id="2" name="Text Placeholder 1"/>
+          <p:cNvPr id="2" name="Picture Placeholder 1"/>
+          <p:cNvSpPr>
+            <a:spLocks noGrp="1"/>
+          </p:cNvSpPr>
+          <p:nvPr>
+            <p:ph type="pic" idx="13" sz="quarter"/>
+          </p:nvPr>
+        </p:nvSpPr>
+        <p:spPr/>
+      </p:sp>
+      <p:sp>
+        <p:nvSpPr>
+          <p:cNvPr id="3" name="Text Placeholder 2"/>
           <p:cNvSpPr>
             <a:spLocks noGrp="1"/>
           </p:cNvSpPr>
@@ -5423,18 +5435,6 @@
             </a:r>
           </a:p>
         </p:txBody>
-      </p:sp>
-      <p:sp>
-        <p:nvSpPr>
-          <p:cNvPr id="3" name="Picture Placeholder 2"/>
-          <p:cNvSpPr>
-            <a:spLocks noGrp="1"/>
-          </p:cNvSpPr>
-          <p:nvPr>
-            <p:ph type="pic" idx="13" sz="quarter"/>
-          </p:nvPr>
-        </p:nvSpPr>
-        <p:spPr/>
       </p:sp>
       <p:sp>
         <p:nvSpPr>
@@ -5464,7 +5464,7 @@
               <a:t>Client:</a:t>
             </a:r>
             <a:r>
-              <a:t> Global SaaS provider with 150 developers across 80+ microservices deploying to AWS EKS</a:t>
+              <a:t> Global SaaS provider with 150 developers and 80+ microservices</a:t>
             </a:r>
           </a:p>
           <a:p>
@@ -5484,7 +5484,7 @@
               <a:t>Solution:</a:t>
             </a:r>
             <a:r>
-              <a:t> Deployed GitHub Actions Enterprise CI/CD with 25 self-hosted runners in AWS VPC, developed 20 reusable workflow templates for Node.js Python .NET, and implemented OIDC for keyless AWS authentication. Integrated CodeQL security scanning and Dependabot.</a:t>
+              <a:t> Deployed GitHub Actions with self-hosted runners, reusable workflow templates, and OIDC for keyless AWS authentication.</a:t>
             </a:r>
           </a:p>
           <a:p>
@@ -5494,7 +5494,7 @@
               <a:t>Results:</a:t>
             </a:r>
             <a:r>
-              <a:t> Reduced pipeline execution time from 45 minutes to 8 minutes (5.6x faster), increased deployment frequency from weekly to daily, deployment success rate improved to 96%, and infrastructure costs reduced by 65% ($520K annual savings). Full ROI achieved in 14 months.</a:t>
+              <a:t> Reduced pipeline time from 45 to 8 minutes (5.6x faster), daily deployments vs weekly, 96% success rate, 65% cost reduction ($520K savings). Full ROI in 14 months.</a:t>
             </a:r>
           </a:p>
           <a:p>
@@ -5565,7 +5565,19 @@
       <p:grpSpPr/>
       <p:sp>
         <p:nvSpPr>
-          <p:cNvPr id="2" name="Text Placeholder 1"/>
+          <p:cNvPr id="2" name="Picture Placeholder 1"/>
+          <p:cNvSpPr>
+            <a:spLocks noGrp="1"/>
+          </p:cNvSpPr>
+          <p:nvPr>
+            <p:ph type="pic" idx="14" sz="quarter"/>
+          </p:nvPr>
+        </p:nvSpPr>
+        <p:spPr/>
+      </p:sp>
+      <p:sp>
+        <p:nvSpPr>
+          <p:cNvPr id="3" name="Text Placeholder 2"/>
           <p:cNvSpPr>
             <a:spLocks noGrp="1"/>
           </p:cNvSpPr>
@@ -5584,18 +5596,6 @@
             </a:r>
           </a:p>
         </p:txBody>
-      </p:sp>
-      <p:sp>
-        <p:nvSpPr>
-          <p:cNvPr id="3" name="Picture Placeholder 2"/>
-          <p:cNvSpPr>
-            <a:spLocks noGrp="1"/>
-          </p:cNvSpPr>
-          <p:nvPr>
-            <p:ph type="pic" idx="14" sz="quarter"/>
-          </p:nvPr>
-        </p:nvSpPr>
-        <p:spPr/>
       </p:sp>
       <p:sp>
         <p:nvSpPr>
@@ -5740,7 +5740,19 @@
       <p:grpSpPr/>
       <p:sp>
         <p:nvSpPr>
-          <p:cNvPr id="2" name="Text Placeholder 1"/>
+          <p:cNvPr id="2" name="Picture Placeholder 1"/>
+          <p:cNvSpPr>
+            <a:spLocks noGrp="1"/>
+          </p:cNvSpPr>
+          <p:nvPr>
+            <p:ph type="pic" idx="13" sz="quarter"/>
+          </p:nvPr>
+        </p:nvSpPr>
+        <p:spPr/>
+      </p:sp>
+      <p:sp>
+        <p:nvSpPr>
+          <p:cNvPr id="3" name="Text Placeholder 2"/>
           <p:cNvSpPr>
             <a:spLocks noGrp="1"/>
           </p:cNvSpPr>
@@ -5759,18 +5771,6 @@
             </a:r>
           </a:p>
         </p:txBody>
-      </p:sp>
-      <p:sp>
-        <p:nvSpPr>
-          <p:cNvPr id="3" name="Picture Placeholder 2"/>
-          <p:cNvSpPr>
-            <a:spLocks noGrp="1"/>
-          </p:cNvSpPr>
-          <p:nvPr>
-            <p:ph type="pic" idx="13" sz="quarter"/>
-          </p:nvPr>
-        </p:nvSpPr>
-        <p:spPr/>
       </p:sp>
       <p:graphicFrame>
         <p:nvGraphicFramePr>

--- a/solutions/github/devops/actions-enterprise-cicd/presales/solution-briefing.pptx
+++ b/solutions/github/devops/actions-enterprise-cicd/presales/solution-briefing.pptx
@@ -3350,7 +3350,7 @@
           <a:lstStyle/>
           <a:p>
             <a:r>
-              <a:t>['Presenter Name'] | November 22, 2025</a:t>
+              <a:t>['Presenter Name'] | November 24, 2025</a:t>
             </a:r>
           </a:p>
         </p:txBody>
@@ -5784,7 +5784,7 @@
         </p:nvGraphicFramePr>
         <p:xfrm>
           <a:off x="256855" y="677011"/>
-          <a:ext cx="8710930" cy="741680"/>
+          <a:ext cx="8710930" cy="1112520"/>
         </p:xfrm>
         <a:graphic>
           <a:graphicData uri="http://schemas.openxmlformats.org/drawingml/2006/table">
@@ -5946,6 +5946,127 @@
                   <a:tcPr>
                     <a:solidFill>
                       <a:srgbClr val="A01C02"/>
+                    </a:solidFill>
+                  </a:tcPr>
+                </a:tc>
+              </a:tr>
+              <a:tr h="370840">
+                <a:tc>
+                  <a:txBody>
+                    <a:bodyPr/>
+                    <a:lstStyle/>
+                    <a:p>
+                      <a:r>
+                        <a:rPr sz="1100"/>
+                        <a:t>Professional Services</a:t>
+                      </a:r>
+                    </a:p>
+                  </a:txBody>
+                  <a:tcPr>
+                    <a:solidFill>
+                      <a:srgbClr val="E7E6E6"/>
+                    </a:solidFill>
+                  </a:tcPr>
+                </a:tc>
+                <a:tc>
+                  <a:txBody>
+                    <a:bodyPr/>
+                    <a:lstStyle/>
+                    <a:p>
+                      <a:r>
+                        <a:rPr sz="1100"/>
+                        <a:t>$0</a:t>
+                      </a:r>
+                    </a:p>
+                  </a:txBody>
+                  <a:tcPr>
+                    <a:solidFill>
+                      <a:srgbClr val="E7E6E6"/>
+                    </a:solidFill>
+                  </a:tcPr>
+                </a:tc>
+                <a:tc>
+                  <a:txBody>
+                    <a:bodyPr/>
+                    <a:lstStyle/>
+                    <a:p>
+                      <a:r>
+                        <a:rPr sz="1100"/>
+                        <a:t>$0</a:t>
+                      </a:r>
+                    </a:p>
+                  </a:txBody>
+                  <a:tcPr>
+                    <a:solidFill>
+                      <a:srgbClr val="E7E6E6"/>
+                    </a:solidFill>
+                  </a:tcPr>
+                </a:tc>
+                <a:tc>
+                  <a:txBody>
+                    <a:bodyPr/>
+                    <a:lstStyle/>
+                    <a:p>
+                      <a:r>
+                        <a:rPr sz="1100"/>
+                        <a:t>$0</a:t>
+                      </a:r>
+                    </a:p>
+                  </a:txBody>
+                  <a:tcPr>
+                    <a:solidFill>
+                      <a:srgbClr val="E7E6E6"/>
+                    </a:solidFill>
+                  </a:tcPr>
+                </a:tc>
+                <a:tc>
+                  <a:txBody>
+                    <a:bodyPr/>
+                    <a:lstStyle/>
+                    <a:p>
+                      <a:r>
+                        <a:rPr sz="1100"/>
+                        <a:t>$0</a:t>
+                      </a:r>
+                    </a:p>
+                  </a:txBody>
+                  <a:tcPr>
+                    <a:solidFill>
+                      <a:srgbClr val="E7E6E6"/>
+                    </a:solidFill>
+                  </a:tcPr>
+                </a:tc>
+                <a:tc>
+                  <a:txBody>
+                    <a:bodyPr/>
+                    <a:lstStyle/>
+                    <a:p>
+                      <a:r>
+                        <a:rPr sz="1100"/>
+                        <a:t>$0</a:t>
+                      </a:r>
+                    </a:p>
+                  </a:txBody>
+                  <a:tcPr>
+                    <a:solidFill>
+                      <a:srgbClr val="E7E6E6"/>
+                    </a:solidFill>
+                  </a:tcPr>
+                </a:tc>
+                <a:tc>
+                  <a:txBody>
+                    <a:bodyPr/>
+                    <a:lstStyle/>
+                    <a:p>
+                      <a:r>
+                        <a:rPr sz="1100"/>
+                        <a:t>$0</a:t>
+                      </a:r>
+                    </a:p>
+                  </a:txBody>
+                  <a:tcPr>
+                    <a:solidFill>
+                      <a:srgbClr val="E7E6E6"/>
                     </a:solidFill>
                   </a:tcPr>
                 </a:tc>
